--- a/slides-steve/Chapter 03.pptx
+++ b/slides-steve/Chapter 03.pptx
@@ -158,6 +158,22 @@
       </a:defRPr>
     </a:lvl9pPr>
   </p:defaultTextStyle>
+  <p:extLst>
+    <p:ext uri="{EFAFB233-063F-42B5-8137-9DF3F51BA10A}">
+      <p15:sldGuideLst xmlns:p15="http://schemas.microsoft.com/office/powerpoint/2012/main">
+        <p15:guide id="1" orient="horz" pos="2160">
+          <p15:clr>
+            <a:srgbClr val="A4A3A4"/>
+          </p15:clr>
+        </p15:guide>
+        <p15:guide id="2" pos="2880">
+          <p15:clr>
+            <a:srgbClr val="A4A3A4"/>
+          </p15:clr>
+        </p15:guide>
+      </p15:sldGuideLst>
+    </p:ext>
+  </p:extLst>
 </p:presentation>
 </file>
 
@@ -243,7 +259,7 @@
           <a:p>
             <a:fld id="{C139781D-D067-D247-97E4-6A97621D3657}" type="datetimeFigureOut">
               <a:rPr lang="en-US" smtClean="0"/>
-              <a:t>10/6/15</a:t>
+              <a:t>8/30/16</a:t>
             </a:fld>
             <a:endParaRPr lang="en-US"/>
           </a:p>
@@ -409,7 +425,7 @@
           <a:p>
             <a:fld id="{53993A50-6F03-5E49-BD27-F634EB7683EB}" type="datetimeFigureOut">
               <a:rPr lang="en-US" smtClean="0"/>
-              <a:t>10/6/15</a:t>
+              <a:t>8/30/16</a:t>
             </a:fld>
             <a:endParaRPr lang="en-US"/>
           </a:p>
@@ -1653,7 +1669,7 @@
           <a:p>
             <a:fld id="{D365EF09-9B72-2440-876E-C6FA76FE67D8}" type="datetime1">
               <a:rPr lang="en-US" smtClean="0"/>
-              <a:t>10/6/15</a:t>
+              <a:t>8/30/16</a:t>
             </a:fld>
             <a:endParaRPr lang="en-US"/>
           </a:p>
@@ -1945,7 +1961,7 @@
           <a:p>
             <a:fld id="{4328AECC-DF16-C349-B496-69AAC68CE7F9}" type="datetime1">
               <a:rPr lang="en-US" smtClean="0"/>
-              <a:t>10/6/15</a:t>
+              <a:t>8/30/16</a:t>
             </a:fld>
             <a:endParaRPr lang="en-US"/>
           </a:p>
@@ -2067,7 +2083,7 @@
           <a:p>
             <a:fld id="{D5882C99-AD56-A74A-ABC2-D5E0D54AEC84}" type="datetime1">
               <a:rPr lang="en-US" smtClean="0"/>
-              <a:t>10/6/15</a:t>
+              <a:t>8/30/16</a:t>
             </a:fld>
             <a:endParaRPr lang="en-US"/>
           </a:p>
@@ -2166,7 +2182,7 @@
           <a:p>
             <a:fld id="{5B20E6AB-CC79-364E-923B-1B8BFC658308}" type="datetime1">
               <a:rPr lang="en-US" smtClean="0"/>
-              <a:t>10/6/15</a:t>
+              <a:t>8/30/16</a:t>
             </a:fld>
             <a:endParaRPr lang="en-US"/>
           </a:p>
@@ -2412,7 +2428,7 @@
           <a:p>
             <a:fld id="{8CA4B211-1D1D-EF41-A169-023173E3537E}" type="datetime1">
               <a:rPr lang="en-US" smtClean="0"/>
-              <a:t>10/6/15</a:t>
+              <a:t>8/30/16</a:t>
             </a:fld>
             <a:endParaRPr lang="en-US"/>
           </a:p>
@@ -2658,7 +2674,7 @@
           <a:p>
             <a:fld id="{89EA94A7-2F0D-9242-BE3E-AF49909D11A2}" type="datetime1">
               <a:rPr lang="en-US" smtClean="0"/>
-              <a:t>10/6/15</a:t>
+              <a:t>8/30/16</a:t>
             </a:fld>
             <a:endParaRPr lang="en-US"/>
           </a:p>
@@ -3049,8 +3065,12 @@
           <a:lstStyle/>
           <a:p>
             <a:r>
-              <a:rPr lang="en-US" dirty="0" smtClean="0"/>
-              <a:t>Chapter Three</a:t>
+              <a:rPr lang="en-US" smtClean="0"/>
+              <a:t>Chapter </a:t>
+            </a:r>
+            <a:r>
+              <a:rPr lang="en-US"/>
+              <a:t>3</a:t>
             </a:r>
             <a:endParaRPr lang="en-US" dirty="0"/>
           </a:p>
@@ -3104,7 +3124,7 @@
   <p:timing>
     <p:tnLst>
       <p:par>
-        <p:cTn xmlns:p14="http://schemas.microsoft.com/office/powerpoint/2010/main" id="1" dur="indefinite" restart="never" nodeType="tmRoot"/>
+        <p:cTn id="1" dur="indefinite" restart="never" nodeType="tmRoot"/>
       </p:par>
     </p:tnLst>
   </p:timing>
@@ -3193,7 +3213,7 @@
           <a:p>
             <a:fld id="{F16F462B-BF62-C94E-8735-BAAB6227BCB9}" type="datetime1">
               <a:rPr lang="en-US" smtClean="0"/>
-              <a:t>10/6/15</a:t>
+              <a:t>8/30/16</a:t>
             </a:fld>
             <a:endParaRPr lang="en-US"/>
           </a:p>
@@ -3270,7 +3290,7 @@
   <p:timing>
     <p:tnLst>
       <p:par>
-        <p:cTn xmlns:p14="http://schemas.microsoft.com/office/powerpoint/2010/main" id="1" dur="indefinite" restart="never" nodeType="tmRoot"/>
+        <p:cTn id="1" dur="indefinite" restart="never" nodeType="tmRoot"/>
       </p:par>
     </p:tnLst>
   </p:timing>
@@ -3359,7 +3379,7 @@
           <a:p>
             <a:fld id="{94573D34-C2FD-D941-9129-F520CDF041C4}" type="datetime1">
               <a:rPr lang="en-US" smtClean="0"/>
-              <a:t>10/6/15</a:t>
+              <a:t>8/30/16</a:t>
             </a:fld>
             <a:endParaRPr lang="en-US"/>
           </a:p>
@@ -3436,7 +3456,7 @@
   <p:timing>
     <p:tnLst>
       <p:par>
-        <p:cTn xmlns:p14="http://schemas.microsoft.com/office/powerpoint/2010/main" id="1" dur="indefinite" restart="never" nodeType="tmRoot"/>
+        <p:cTn id="1" dur="indefinite" restart="never" nodeType="tmRoot"/>
       </p:par>
     </p:tnLst>
   </p:timing>
@@ -3525,7 +3545,7 @@
           <a:p>
             <a:fld id="{9CD18C79-9FAD-0044-9F2D-66463CDD64E3}" type="datetime1">
               <a:rPr lang="en-US" smtClean="0"/>
-              <a:t>10/6/15</a:t>
+              <a:t>8/30/16</a:t>
             </a:fld>
             <a:endParaRPr lang="en-US"/>
           </a:p>
@@ -3602,7 +3622,7 @@
   <p:timing>
     <p:tnLst>
       <p:par>
-        <p:cTn xmlns:p14="http://schemas.microsoft.com/office/powerpoint/2010/main" id="1" dur="indefinite" restart="never" nodeType="tmRoot"/>
+        <p:cTn id="1" dur="indefinite" restart="never" nodeType="tmRoot"/>
       </p:par>
     </p:tnLst>
   </p:timing>
@@ -3729,7 +3749,7 @@
           <a:p>
             <a:fld id="{5037B5AC-4F21-5B41-A186-0A82CEC2FA13}" type="datetime1">
               <a:rPr lang="en-US" smtClean="0"/>
-              <a:t>10/6/15</a:t>
+              <a:t>8/30/16</a:t>
             </a:fld>
             <a:endParaRPr lang="en-US"/>
           </a:p>
@@ -3806,7 +3826,7 @@
   <p:timing>
     <p:tnLst>
       <p:par>
-        <p:cTn xmlns:p14="http://schemas.microsoft.com/office/powerpoint/2010/main" id="1" dur="indefinite" restart="never" nodeType="tmRoot"/>
+        <p:cTn id="1" dur="indefinite" restart="never" nodeType="tmRoot"/>
       </p:par>
     </p:tnLst>
   </p:timing>
@@ -3907,7 +3927,7 @@
           <a:p>
             <a:fld id="{EFFAE0B6-63FB-3E4B-99E8-61275F6D2D18}" type="datetime1">
               <a:rPr lang="en-US" smtClean="0"/>
-              <a:t>10/6/15</a:t>
+              <a:t>8/30/16</a:t>
             </a:fld>
             <a:endParaRPr lang="en-US"/>
           </a:p>
@@ -3984,7 +4004,7 @@
   <p:timing>
     <p:tnLst>
       <p:par>
-        <p:cTn xmlns:p14="http://schemas.microsoft.com/office/powerpoint/2010/main" id="1" dur="indefinite" restart="never" nodeType="tmRoot"/>
+        <p:cTn id="1" dur="indefinite" restart="never" nodeType="tmRoot"/>
       </p:par>
     </p:tnLst>
   </p:timing>
@@ -4067,7 +4087,7 @@
           <a:p>
             <a:fld id="{7D842738-FBB8-DD4A-BDA5-CE8D52440A55}" type="datetime1">
               <a:rPr lang="en-US" smtClean="0"/>
-              <a:t>10/6/15</a:t>
+              <a:t>8/30/16</a:t>
             </a:fld>
             <a:endParaRPr lang="en-US"/>
           </a:p>
@@ -4144,7 +4164,7 @@
   <p:timing>
     <p:tnLst>
       <p:par>
-        <p:cTn xmlns:p14="http://schemas.microsoft.com/office/powerpoint/2010/main" id="1" dur="indefinite" restart="never" nodeType="tmRoot"/>
+        <p:cTn id="1" dur="indefinite" restart="never" nodeType="tmRoot"/>
       </p:par>
     </p:tnLst>
   </p:timing>
@@ -4257,7 +4277,7 @@
           <a:p>
             <a:fld id="{8CABA1CF-6647-E348-8399-F2A378166766}" type="datetime1">
               <a:rPr lang="en-US" smtClean="0"/>
-              <a:t>10/6/15</a:t>
+              <a:t>8/30/16</a:t>
             </a:fld>
             <a:endParaRPr lang="en-US"/>
           </a:p>
@@ -4334,7 +4354,7 @@
   <p:timing>
     <p:tnLst>
       <p:par>
-        <p:cTn xmlns:p14="http://schemas.microsoft.com/office/powerpoint/2010/main" id="1" dur="indefinite" restart="never" nodeType="tmRoot"/>
+        <p:cTn id="1" dur="indefinite" restart="never" nodeType="tmRoot"/>
       </p:par>
     </p:tnLst>
   </p:timing>
@@ -4417,7 +4437,7 @@
           <a:p>
             <a:fld id="{F5D80FD2-F5ED-954A-A0EA-7961FBFE94D4}" type="datetime1">
               <a:rPr lang="en-US" smtClean="0"/>
-              <a:t>10/6/15</a:t>
+              <a:t>8/30/16</a:t>
             </a:fld>
             <a:endParaRPr lang="en-US"/>
           </a:p>
@@ -4494,7 +4514,7 @@
   <p:timing>
     <p:tnLst>
       <p:par>
-        <p:cTn xmlns:p14="http://schemas.microsoft.com/office/powerpoint/2010/main" id="1" dur="indefinite" restart="never" nodeType="tmRoot"/>
+        <p:cTn id="1" dur="indefinite" restart="never" nodeType="tmRoot"/>
       </p:par>
     </p:tnLst>
   </p:timing>
@@ -4577,7 +4597,7 @@
           <a:p>
             <a:fld id="{51221A77-4241-8040-B71C-2E7350164C88}" type="datetime1">
               <a:rPr lang="en-US" smtClean="0"/>
-              <a:t>10/6/15</a:t>
+              <a:t>8/30/16</a:t>
             </a:fld>
             <a:endParaRPr lang="en-US"/>
           </a:p>
@@ -4654,7 +4674,7 @@
   <p:timing>
     <p:tnLst>
       <p:par>
-        <p:cTn xmlns:p14="http://schemas.microsoft.com/office/powerpoint/2010/main" id="1" dur="indefinite" restart="never" nodeType="tmRoot"/>
+        <p:cTn id="1" dur="indefinite" restart="never" nodeType="tmRoot"/>
       </p:par>
     </p:tnLst>
   </p:timing>
@@ -4737,7 +4757,7 @@
           <a:p>
             <a:fld id="{B1DBCD13-99BD-7041-87B1-708E2969E438}" type="datetime1">
               <a:rPr lang="en-US" smtClean="0"/>
-              <a:t>10/6/15</a:t>
+              <a:t>8/30/16</a:t>
             </a:fld>
             <a:endParaRPr lang="en-US"/>
           </a:p>
@@ -4814,7 +4834,7 @@
   <p:timing>
     <p:tnLst>
       <p:par>
-        <p:cTn xmlns:p14="http://schemas.microsoft.com/office/powerpoint/2010/main" id="1" dur="indefinite" restart="never" nodeType="tmRoot"/>
+        <p:cTn id="1" dur="indefinite" restart="never" nodeType="tmRoot"/>
       </p:par>
     </p:tnLst>
   </p:timing>
@@ -4905,7 +4925,7 @@
           <a:p>
             <a:fld id="{C2BA3B22-1C3F-7147-8D14-CC60BEBE66CE}" type="datetime1">
               <a:rPr lang="en-US" smtClean="0"/>
-              <a:t>10/6/15</a:t>
+              <a:t>8/30/16</a:t>
             </a:fld>
             <a:endParaRPr lang="en-US"/>
           </a:p>
@@ -4982,7 +5002,7 @@
   <p:timing>
     <p:tnLst>
       <p:par>
-        <p:cTn xmlns:p14="http://schemas.microsoft.com/office/powerpoint/2010/main" id="1" dur="indefinite" restart="never" nodeType="tmRoot"/>
+        <p:cTn id="1" dur="indefinite" restart="never" nodeType="tmRoot"/>
       </p:par>
     </p:tnLst>
   </p:timing>
@@ -5065,7 +5085,7 @@
           <a:p>
             <a:fld id="{A4F175E7-8555-944D-8BCC-D8FA2311872B}" type="datetime1">
               <a:rPr lang="en-US" smtClean="0"/>
-              <a:t>10/6/15</a:t>
+              <a:t>8/30/16</a:t>
             </a:fld>
             <a:endParaRPr lang="en-US"/>
           </a:p>
@@ -5142,7 +5162,7 @@
   <p:timing>
     <p:tnLst>
       <p:par>
-        <p:cTn xmlns:p14="http://schemas.microsoft.com/office/powerpoint/2010/main" id="1" dur="indefinite" restart="never" nodeType="tmRoot"/>
+        <p:cTn id="1" dur="indefinite" restart="never" nodeType="tmRoot"/>
       </p:par>
     </p:tnLst>
   </p:timing>
@@ -5275,7 +5295,7 @@
           <a:p>
             <a:fld id="{522A5D29-9879-814D-AE26-8543D29C9A6F}" type="datetime1">
               <a:rPr lang="en-US" smtClean="0"/>
-              <a:t>10/6/15</a:t>
+              <a:t>8/30/16</a:t>
             </a:fld>
             <a:endParaRPr lang="en-US"/>
           </a:p>
@@ -5352,7 +5372,7 @@
   <p:timing>
     <p:tnLst>
       <p:par>
-        <p:cTn xmlns:p14="http://schemas.microsoft.com/office/powerpoint/2010/main" id="1" dur="indefinite" restart="never" nodeType="tmRoot"/>
+        <p:cTn id="1" dur="indefinite" restart="never" nodeType="tmRoot"/>
       </p:par>
     </p:tnLst>
   </p:timing>
@@ -5460,7 +5480,7 @@
           <a:p>
             <a:fld id="{E51CB3F5-BA4E-2E43-AE11-C206A0F30BE7}" type="datetime1">
               <a:rPr lang="en-US" smtClean="0"/>
-              <a:t>10/6/15</a:t>
+              <a:t>8/30/16</a:t>
             </a:fld>
             <a:endParaRPr lang="en-US"/>
           </a:p>
@@ -5537,7 +5557,7 @@
   <p:timing>
     <p:tnLst>
       <p:par>
-        <p:cTn xmlns:p14="http://schemas.microsoft.com/office/powerpoint/2010/main" id="1" dur="indefinite" restart="never" nodeType="tmRoot"/>
+        <p:cTn id="1" dur="indefinite" restart="never" nodeType="tmRoot"/>
       </p:par>
     </p:tnLst>
   </p:timing>
@@ -5620,7 +5640,7 @@
           <a:p>
             <a:fld id="{BB88C000-ECCF-D544-966E-124E5C4E79C0}" type="datetime1">
               <a:rPr lang="en-US" smtClean="0"/>
-              <a:t>10/6/15</a:t>
+              <a:t>8/30/16</a:t>
             </a:fld>
             <a:endParaRPr lang="en-US"/>
           </a:p>
@@ -5697,7 +5717,7 @@
   <p:timing>
     <p:tnLst>
       <p:par>
-        <p:cTn xmlns:p14="http://schemas.microsoft.com/office/powerpoint/2010/main" id="1" dur="indefinite" restart="never" nodeType="tmRoot"/>
+        <p:cTn id="1" dur="indefinite" restart="never" nodeType="tmRoot"/>
       </p:par>
     </p:tnLst>
   </p:timing>
@@ -5810,7 +5830,7 @@
           <a:p>
             <a:fld id="{F0414A6C-21D4-4040-93B2-6216D95AEC75}" type="datetime1">
               <a:rPr lang="en-US" smtClean="0"/>
-              <a:t>10/6/15</a:t>
+              <a:t>8/30/16</a:t>
             </a:fld>
             <a:endParaRPr lang="en-US"/>
           </a:p>
@@ -5887,7 +5907,7 @@
   <p:timing>
     <p:tnLst>
       <p:par>
-        <p:cTn xmlns:p14="http://schemas.microsoft.com/office/powerpoint/2010/main" id="1" dur="indefinite" restart="never" nodeType="tmRoot"/>
+        <p:cTn id="1" dur="indefinite" restart="never" nodeType="tmRoot"/>
       </p:par>
     </p:tnLst>
   </p:timing>
@@ -6008,7 +6028,7 @@
           <a:p>
             <a:fld id="{521530C5-1CEA-434F-82CB-71B2A7A112F3}" type="datetime1">
               <a:rPr lang="en-US" smtClean="0"/>
-              <a:t>10/6/15</a:t>
+              <a:t>8/30/16</a:t>
             </a:fld>
             <a:endParaRPr lang="en-US"/>
           </a:p>
@@ -6085,7 +6105,7 @@
   <p:timing>
     <p:tnLst>
       <p:par>
-        <p:cTn xmlns:p14="http://schemas.microsoft.com/office/powerpoint/2010/main" id="1" dur="indefinite" restart="never" nodeType="tmRoot"/>
+        <p:cTn id="1" dur="indefinite" restart="never" nodeType="tmRoot"/>
       </p:par>
     </p:tnLst>
   </p:timing>
@@ -6174,7 +6194,7 @@
           <a:p>
             <a:fld id="{9235B43D-6970-E74B-BEBD-BF002123F57C}" type="datetime1">
               <a:rPr lang="en-US" smtClean="0"/>
-              <a:t>10/6/15</a:t>
+              <a:t>8/30/16</a:t>
             </a:fld>
             <a:endParaRPr lang="en-US"/>
           </a:p>
@@ -6251,7 +6271,7 @@
   <p:timing>
     <p:tnLst>
       <p:par>
-        <p:cTn xmlns:p14="http://schemas.microsoft.com/office/powerpoint/2010/main" id="1" dur="indefinite" restart="never" nodeType="tmRoot"/>
+        <p:cTn id="1" dur="indefinite" restart="never" nodeType="tmRoot"/>
       </p:par>
     </p:tnLst>
   </p:timing>
@@ -6340,7 +6360,7 @@
           <a:p>
             <a:fld id="{8BF93FE9-F693-0546-B4D3-DEB3065BFCF0}" type="datetime1">
               <a:rPr lang="en-US" smtClean="0"/>
-              <a:t>10/6/15</a:t>
+              <a:t>8/30/16</a:t>
             </a:fld>
             <a:endParaRPr lang="en-US"/>
           </a:p>
@@ -6417,7 +6437,7 @@
   <p:timing>
     <p:tnLst>
       <p:par>
-        <p:cTn xmlns:p14="http://schemas.microsoft.com/office/powerpoint/2010/main" id="1" dur="indefinite" restart="never" nodeType="tmRoot"/>
+        <p:cTn id="1" dur="indefinite" restart="never" nodeType="tmRoot"/>
       </p:par>
     </p:tnLst>
   </p:timing>
@@ -6506,7 +6526,7 @@
           <a:p>
             <a:fld id="{DE9B652F-F2B8-F44B-AE30-0547FB3A2256}" type="datetime1">
               <a:rPr lang="en-US" smtClean="0"/>
-              <a:t>10/6/15</a:t>
+              <a:t>8/30/16</a:t>
             </a:fld>
             <a:endParaRPr lang="en-US"/>
           </a:p>
@@ -6583,7 +6603,7 @@
   <p:timing>
     <p:tnLst>
       <p:par>
-        <p:cTn xmlns:p14="http://schemas.microsoft.com/office/powerpoint/2010/main" id="1" dur="indefinite" restart="never" nodeType="tmRoot"/>
+        <p:cTn id="1" dur="indefinite" restart="never" nodeType="tmRoot"/>
       </p:par>
     </p:tnLst>
   </p:timing>
@@ -6691,7 +6711,7 @@
           <a:p>
             <a:fld id="{39BCB42A-1AF8-D643-935C-C697C65E6231}" type="datetime1">
               <a:rPr lang="en-US" smtClean="0"/>
-              <a:t>10/6/15</a:t>
+              <a:t>8/30/16</a:t>
             </a:fld>
             <a:endParaRPr lang="en-US"/>
           </a:p>
@@ -6768,7 +6788,7 @@
   <p:timing>
     <p:tnLst>
       <p:par>
-        <p:cTn xmlns:p14="http://schemas.microsoft.com/office/powerpoint/2010/main" id="1" dur="indefinite" restart="never" nodeType="tmRoot"/>
+        <p:cTn id="1" dur="indefinite" restart="never" nodeType="tmRoot"/>
       </p:par>
     </p:tnLst>
   </p:timing>
@@ -6882,7 +6902,7 @@
           <a:p>
             <a:fld id="{770F6A67-93F0-D043-B50E-99573643CFDC}" type="datetime1">
               <a:rPr lang="en-US" smtClean="0"/>
-              <a:t>10/6/15</a:t>
+              <a:t>8/30/16</a:t>
             </a:fld>
             <a:endParaRPr lang="en-US"/>
           </a:p>
@@ -6959,7 +6979,7 @@
   <p:timing>
     <p:tnLst>
       <p:par>
-        <p:cTn xmlns:p14="http://schemas.microsoft.com/office/powerpoint/2010/main" id="1" dur="indefinite" restart="never" nodeType="tmRoot"/>
+        <p:cTn id="1" dur="indefinite" restart="never" nodeType="tmRoot"/>
       </p:par>
     </p:tnLst>
   </p:timing>
@@ -7072,7 +7092,7 @@
           <a:p>
             <a:fld id="{A5B5D20A-BA43-7840-BFAE-30C0DEDD9B4E}" type="datetime1">
               <a:rPr lang="en-US" smtClean="0"/>
-              <a:t>10/6/15</a:t>
+              <a:t>8/30/16</a:t>
             </a:fld>
             <a:endParaRPr lang="en-US"/>
           </a:p>
@@ -7149,7 +7169,7 @@
   <p:timing>
     <p:tnLst>
       <p:par>
-        <p:cTn xmlns:p14="http://schemas.microsoft.com/office/powerpoint/2010/main" id="1" dur="indefinite" restart="never" nodeType="tmRoot"/>
+        <p:cTn id="1" dur="indefinite" restart="never" nodeType="tmRoot"/>
       </p:par>
     </p:tnLst>
   </p:timing>
@@ -7325,7 +7345,7 @@
           <a:p>
             <a:fld id="{7C589A19-C787-3446-BD6F-7B12F95D296F}" type="datetime1">
               <a:rPr lang="en-US" smtClean="0"/>
-              <a:t>10/6/15</a:t>
+              <a:t>8/30/16</a:t>
             </a:fld>
             <a:endParaRPr lang="en-US"/>
           </a:p>
@@ -7402,7 +7422,7 @@
   <p:timing>
     <p:tnLst>
       <p:par>
-        <p:cTn xmlns:p14="http://schemas.microsoft.com/office/powerpoint/2010/main" id="1" dur="indefinite" restart="never" nodeType="tmRoot"/>
+        <p:cTn id="1" dur="indefinite" restart="never" nodeType="tmRoot"/>
       </p:par>
     </p:tnLst>
   </p:timing>
@@ -7491,7 +7511,7 @@
           <a:p>
             <a:fld id="{CF5A69A2-22DB-6944-954F-4C4B2F434377}" type="datetime1">
               <a:rPr lang="en-US" smtClean="0"/>
-              <a:t>10/6/15</a:t>
+              <a:t>8/30/16</a:t>
             </a:fld>
             <a:endParaRPr lang="en-US"/>
           </a:p>
@@ -7568,7 +7588,7 @@
   <p:timing>
     <p:tnLst>
       <p:par>
-        <p:cTn xmlns:p14="http://schemas.microsoft.com/office/powerpoint/2010/main" id="1" dur="indefinite" restart="never" nodeType="tmRoot"/>
+        <p:cTn id="1" dur="indefinite" restart="never" nodeType="tmRoot"/>
       </p:par>
     </p:tnLst>
   </p:timing>
@@ -7651,7 +7671,7 @@
           <a:p>
             <a:fld id="{E569696E-CAF8-4346-872C-C6986BC8F4B1}" type="datetime1">
               <a:rPr lang="en-US" smtClean="0"/>
-              <a:t>10/6/15</a:t>
+              <a:t>8/30/16</a:t>
             </a:fld>
             <a:endParaRPr lang="en-US"/>
           </a:p>
@@ -7728,7 +7748,7 @@
   <p:timing>
     <p:tnLst>
       <p:par>
-        <p:cTn xmlns:p14="http://schemas.microsoft.com/office/powerpoint/2010/main" id="1" dur="indefinite" restart="never" nodeType="tmRoot"/>
+        <p:cTn id="1" dur="indefinite" restart="never" nodeType="tmRoot"/>
       </p:par>
     </p:tnLst>
   </p:timing>
@@ -7849,7 +7869,7 @@
           <a:p>
             <a:fld id="{8695748C-F684-5540-9C73-1A30F266F870}" type="datetime1">
               <a:rPr lang="en-US" smtClean="0"/>
-              <a:t>10/6/15</a:t>
+              <a:t>8/30/16</a:t>
             </a:fld>
             <a:endParaRPr lang="en-US"/>
           </a:p>
@@ -7926,7 +7946,7 @@
   <p:timing>
     <p:tnLst>
       <p:par>
-        <p:cTn xmlns:p14="http://schemas.microsoft.com/office/powerpoint/2010/main" id="1" dur="indefinite" restart="never" nodeType="tmRoot"/>
+        <p:cTn id="1" dur="indefinite" restart="never" nodeType="tmRoot"/>
       </p:par>
     </p:tnLst>
   </p:timing>
@@ -8043,7 +8063,7 @@
           <a:p>
             <a:fld id="{6424484A-7224-E74B-86A2-BDD1AE0812CE}" type="datetime1">
               <a:rPr lang="en-US" smtClean="0"/>
-              <a:t>10/6/15</a:t>
+              <a:t>8/30/16</a:t>
             </a:fld>
             <a:endParaRPr lang="en-US"/>
           </a:p>
@@ -8120,7 +8140,7 @@
   <p:timing>
     <p:tnLst>
       <p:par>
-        <p:cTn xmlns:p14="http://schemas.microsoft.com/office/powerpoint/2010/main" id="1" dur="indefinite" restart="never" nodeType="tmRoot"/>
+        <p:cTn id="1" dur="indefinite" restart="never" nodeType="tmRoot"/>
       </p:par>
     </p:tnLst>
   </p:timing>
@@ -8227,7 +8247,7 @@
           <a:p>
             <a:fld id="{654D128B-60EA-A74D-B8E0-486F5114227A}" type="datetime1">
               <a:rPr lang="en-US" smtClean="0"/>
-              <a:t>10/6/15</a:t>
+              <a:t>8/30/16</a:t>
             </a:fld>
             <a:endParaRPr lang="en-US"/>
           </a:p>
@@ -8304,7 +8324,7 @@
   <p:timing>
     <p:tnLst>
       <p:par>
-        <p:cTn xmlns:p14="http://schemas.microsoft.com/office/powerpoint/2010/main" id="1" dur="indefinite" restart="never" nodeType="tmRoot"/>
+        <p:cTn id="1" dur="indefinite" restart="never" nodeType="tmRoot"/>
       </p:par>
     </p:tnLst>
   </p:timing>
@@ -8430,7 +8450,7 @@
           <a:p>
             <a:fld id="{2E949C54-11D3-D646-A740-5CF6CDFAB0C8}" type="datetime1">
               <a:rPr lang="en-US" smtClean="0"/>
-              <a:t>10/6/15</a:t>
+              <a:t>8/30/16</a:t>
             </a:fld>
             <a:endParaRPr lang="en-US"/>
           </a:p>
@@ -8507,7 +8527,7 @@
   <p:timing>
     <p:tnLst>
       <p:par>
-        <p:cTn xmlns:p14="http://schemas.microsoft.com/office/powerpoint/2010/main" id="1" dur="indefinite" restart="never" nodeType="tmRoot"/>
+        <p:cTn id="1" dur="indefinite" restart="never" nodeType="tmRoot"/>
       </p:par>
     </p:tnLst>
   </p:timing>
@@ -8606,7 +8626,7 @@
           <a:p>
             <a:fld id="{06A38AE8-0ACB-E94A-8701-0E3B4D6725F9}" type="datetime1">
               <a:rPr lang="en-US" smtClean="0"/>
-              <a:t>10/6/15</a:t>
+              <a:t>8/30/16</a:t>
             </a:fld>
             <a:endParaRPr lang="en-US"/>
           </a:p>
@@ -8683,7 +8703,7 @@
   <p:timing>
     <p:tnLst>
       <p:par>
-        <p:cTn xmlns:p14="http://schemas.microsoft.com/office/powerpoint/2010/main" id="1" dur="indefinite" restart="never" nodeType="tmRoot"/>
+        <p:cTn id="1" dur="indefinite" restart="never" nodeType="tmRoot"/>
       </p:par>
     </p:tnLst>
   </p:timing>
@@ -8805,7 +8825,7 @@
           <a:p>
             <a:fld id="{FB0E0CA7-167D-4546-8D34-E15739F2E34C}" type="datetime1">
               <a:rPr lang="en-US" smtClean="0"/>
-              <a:t>10/6/15</a:t>
+              <a:t>8/30/16</a:t>
             </a:fld>
             <a:endParaRPr lang="en-US"/>
           </a:p>
@@ -8882,7 +8902,7 @@
   <p:timing>
     <p:tnLst>
       <p:par>
-        <p:cTn xmlns:p14="http://schemas.microsoft.com/office/powerpoint/2010/main" id="1" dur="indefinite" restart="never" nodeType="tmRoot"/>
+        <p:cTn id="1" dur="indefinite" restart="never" nodeType="tmRoot"/>
       </p:par>
     </p:tnLst>
   </p:timing>
@@ -8987,7 +9007,7 @@
           <a:p>
             <a:fld id="{85D367D7-37FE-1341-A8BB-3790E27EC5B4}" type="datetime1">
               <a:rPr lang="en-US" smtClean="0"/>
-              <a:t>10/6/15</a:t>
+              <a:t>8/30/16</a:t>
             </a:fld>
             <a:endParaRPr lang="en-US"/>
           </a:p>
@@ -9064,7 +9084,7 @@
   <p:timing>
     <p:tnLst>
       <p:par>
-        <p:cTn xmlns:p14="http://schemas.microsoft.com/office/powerpoint/2010/main" id="1" dur="indefinite" restart="never" nodeType="tmRoot"/>
+        <p:cTn id="1" dur="indefinite" restart="never" nodeType="tmRoot"/>
       </p:par>
     </p:tnLst>
   </p:timing>
@@ -9165,7 +9185,7 @@
           <a:p>
             <a:fld id="{A5FD2E71-CA66-CE40-B127-39C4CD7666DB}" type="datetime1">
               <a:rPr lang="en-US" smtClean="0"/>
-              <a:t>10/6/15</a:t>
+              <a:t>8/30/16</a:t>
             </a:fld>
             <a:endParaRPr lang="en-US"/>
           </a:p>
@@ -9242,7 +9262,7 @@
   <p:timing>
     <p:tnLst>
       <p:par>
-        <p:cTn xmlns:p14="http://schemas.microsoft.com/office/powerpoint/2010/main" id="1" dur="indefinite" restart="never" nodeType="tmRoot"/>
+        <p:cTn id="1" dur="indefinite" restart="never" nodeType="tmRoot"/>
       </p:par>
     </p:tnLst>
   </p:timing>
@@ -9331,7 +9351,7 @@
           <a:p>
             <a:fld id="{5AB6DE6B-6E42-944F-A924-AE519ABB10CE}" type="datetime1">
               <a:rPr lang="en-US" smtClean="0"/>
-              <a:t>10/6/15</a:t>
+              <a:t>8/30/16</a:t>
             </a:fld>
             <a:endParaRPr lang="en-US"/>
           </a:p>
@@ -9408,7 +9428,7 @@
   <p:timing>
     <p:tnLst>
       <p:par>
-        <p:cTn xmlns:p14="http://schemas.microsoft.com/office/powerpoint/2010/main" id="1" dur="indefinite" restart="never" nodeType="tmRoot"/>
+        <p:cTn id="1" dur="indefinite" restart="never" nodeType="tmRoot"/>
       </p:par>
     </p:tnLst>
   </p:timing>
@@ -9497,7 +9517,7 @@
           <a:p>
             <a:fld id="{D12B34D4-6E8A-F94E-A1D3-5B28070AB6DF}" type="datetime1">
               <a:rPr lang="en-US" smtClean="0"/>
-              <a:t>10/6/15</a:t>
+              <a:t>8/30/16</a:t>
             </a:fld>
             <a:endParaRPr lang="en-US"/>
           </a:p>
@@ -9574,7 +9594,7 @@
   <p:timing>
     <p:tnLst>
       <p:par>
-        <p:cTn xmlns:p14="http://schemas.microsoft.com/office/powerpoint/2010/main" id="1" dur="indefinite" restart="never" nodeType="tmRoot"/>
+        <p:cTn id="1" dur="indefinite" restart="never" nodeType="tmRoot"/>
       </p:par>
     </p:tnLst>
   </p:timing>
@@ -9663,7 +9683,7 @@
           <a:p>
             <a:fld id="{B7CC5024-D320-7A47-9D3E-231B6E58DD7F}" type="datetime1">
               <a:rPr lang="en-US" smtClean="0"/>
-              <a:t>10/6/15</a:t>
+              <a:t>8/30/16</a:t>
             </a:fld>
             <a:endParaRPr lang="en-US"/>
           </a:p>
@@ -9740,7 +9760,7 @@
   <p:timing>
     <p:tnLst>
       <p:par>
-        <p:cTn xmlns:p14="http://schemas.microsoft.com/office/powerpoint/2010/main" id="1" dur="indefinite" restart="never" nodeType="tmRoot"/>
+        <p:cTn id="1" dur="indefinite" restart="never" nodeType="tmRoot"/>
       </p:par>
     </p:tnLst>
   </p:timing>
@@ -9849,7 +9869,7 @@
           <a:p>
             <a:fld id="{52CBAE18-683A-CF44-AF2D-0F32E1D8F4C5}" type="datetime1">
               <a:rPr lang="en-US" smtClean="0"/>
-              <a:t>10/6/15</a:t>
+              <a:t>8/30/16</a:t>
             </a:fld>
             <a:endParaRPr lang="en-US"/>
           </a:p>
@@ -9926,7 +9946,7 @@
   <p:timing>
     <p:tnLst>
       <p:par>
-        <p:cTn xmlns:p14="http://schemas.microsoft.com/office/powerpoint/2010/main" id="1" dur="indefinite" restart="never" nodeType="tmRoot"/>
+        <p:cTn id="1" dur="indefinite" restart="never" nodeType="tmRoot"/>
       </p:par>
     </p:tnLst>
   </p:timing>
@@ -10052,7 +10072,7 @@
           <a:p>
             <a:fld id="{FB7AE0FA-10A3-764C-864B-80C46F56B319}" type="datetime1">
               <a:rPr lang="en-US" smtClean="0"/>
-              <a:t>10/6/15</a:t>
+              <a:t>8/30/16</a:t>
             </a:fld>
             <a:endParaRPr lang="en-US"/>
           </a:p>
@@ -10129,7 +10149,7 @@
   <p:timing>
     <p:tnLst>
       <p:par>
-        <p:cTn xmlns:p14="http://schemas.microsoft.com/office/powerpoint/2010/main" id="1" dur="indefinite" restart="never" nodeType="tmRoot"/>
+        <p:cTn id="1" dur="indefinite" restart="never" nodeType="tmRoot"/>
       </p:par>
     </p:tnLst>
   </p:timing>
@@ -10223,7 +10243,7 @@
           <a:p>
             <a:fld id="{5589306D-73C7-E24D-BE36-D3F755D14906}" type="datetime1">
               <a:rPr lang="en-US" smtClean="0"/>
-              <a:t>10/6/15</a:t>
+              <a:t>8/30/16</a:t>
             </a:fld>
             <a:endParaRPr lang="en-US"/>
           </a:p>
@@ -10300,7 +10320,7 @@
   <p:timing>
     <p:tnLst>
       <p:par>
-        <p:cTn xmlns:p14="http://schemas.microsoft.com/office/powerpoint/2010/main" id="1" dur="indefinite" restart="never" nodeType="tmRoot"/>
+        <p:cTn id="1" dur="indefinite" restart="never" nodeType="tmRoot"/>
       </p:par>
     </p:tnLst>
   </p:timing>
@@ -10407,7 +10427,7 @@
           <a:p>
             <a:fld id="{6A797AA5-C483-B44C-9726-BC0388FC49EC}" type="datetime1">
               <a:rPr lang="en-US" smtClean="0"/>
-              <a:t>10/6/15</a:t>
+              <a:t>8/30/16</a:t>
             </a:fld>
             <a:endParaRPr lang="en-US"/>
           </a:p>
@@ -10484,7 +10504,7 @@
   <p:timing>
     <p:tnLst>
       <p:par>
-        <p:cTn xmlns:p14="http://schemas.microsoft.com/office/powerpoint/2010/main" id="1" dur="indefinite" restart="never" nodeType="tmRoot"/>
+        <p:cTn id="1" dur="indefinite" restart="never" nodeType="tmRoot"/>
       </p:par>
     </p:tnLst>
   </p:timing>
@@ -10612,7 +10632,7 @@
           <a:p>
             <a:fld id="{3D99332E-3CB5-DA49-9DD5-B16028FE595A}" type="datetime1">
               <a:rPr lang="en-US" smtClean="0"/>
-              <a:t>10/6/15</a:t>
+              <a:t>8/30/16</a:t>
             </a:fld>
             <a:endParaRPr lang="en-US"/>
           </a:p>
@@ -10689,7 +10709,7 @@
   <p:timing>
     <p:tnLst>
       <p:par>
-        <p:cTn xmlns:p14="http://schemas.microsoft.com/office/powerpoint/2010/main" id="1" dur="indefinite" restart="never" nodeType="tmRoot"/>
+        <p:cTn id="1" dur="indefinite" restart="never" nodeType="tmRoot"/>
       </p:par>
     </p:tnLst>
   </p:timing>
@@ -10788,7 +10808,7 @@
           <a:p>
             <a:fld id="{D365EF09-9B72-2440-876E-C6FA76FE67D8}" type="datetime1">
               <a:rPr lang="en-US" smtClean="0"/>
-              <a:t>10/6/15</a:t>
+              <a:t>8/30/16</a:t>
             </a:fld>
             <a:endParaRPr lang="en-US"/>
           </a:p>
@@ -10973,7 +10993,7 @@
           <a:p>
             <a:fld id="{76D4F640-BDBC-F946-B100-AACD86468882}" type="datetime1">
               <a:rPr lang="en-US" smtClean="0"/>
-              <a:t>10/6/15</a:t>
+              <a:t>8/30/16</a:t>
             </a:fld>
             <a:endParaRPr lang="en-US"/>
           </a:p>
@@ -11050,7 +11070,7 @@
   <p:timing>
     <p:tnLst>
       <p:par>
-        <p:cTn xmlns:p14="http://schemas.microsoft.com/office/powerpoint/2010/main" id="1" dur="indefinite" restart="never" nodeType="tmRoot"/>
+        <p:cTn id="1" dur="indefinite" restart="never" nodeType="tmRoot"/>
       </p:par>
     </p:tnLst>
   </p:timing>
@@ -11176,7 +11196,7 @@
           <a:p>
             <a:fld id="{C50C411D-28F2-9141-81C1-24F9F6574A4A}" type="datetime1">
               <a:rPr lang="en-US" smtClean="0"/>
-              <a:t>10/6/15</a:t>
+              <a:t>8/30/16</a:t>
             </a:fld>
             <a:endParaRPr lang="en-US"/>
           </a:p>
@@ -11253,7 +11273,7 @@
   <p:timing>
     <p:tnLst>
       <p:par>
-        <p:cTn xmlns:p14="http://schemas.microsoft.com/office/powerpoint/2010/main" id="1" dur="indefinite" restart="never" nodeType="tmRoot"/>
+        <p:cTn id="1" dur="indefinite" restart="never" nodeType="tmRoot"/>
       </p:par>
     </p:tnLst>
   </p:timing>
@@ -11336,7 +11356,7 @@
           <a:p>
             <a:fld id="{286F7E7F-8486-AE40-B9CE-3CD419BBD599}" type="datetime1">
               <a:rPr lang="en-US" smtClean="0"/>
-              <a:t>10/6/15</a:t>
+              <a:t>8/30/16</a:t>
             </a:fld>
             <a:endParaRPr lang="en-US"/>
           </a:p>
@@ -11413,7 +11433,7 @@
   <p:timing>
     <p:tnLst>
       <p:par>
-        <p:cTn xmlns:p14="http://schemas.microsoft.com/office/powerpoint/2010/main" id="1" dur="indefinite" restart="never" nodeType="tmRoot"/>
+        <p:cTn id="1" dur="indefinite" restart="never" nodeType="tmRoot"/>
       </p:par>
     </p:tnLst>
   </p:timing>
@@ -11573,7 +11593,7 @@
           <a:p>
             <a:fld id="{6035DDD4-61F0-0B46-BB97-A64C52375F7D}" type="datetime1">
               <a:rPr lang="en-US" smtClean="0"/>
-              <a:t>10/6/15</a:t>
+              <a:t>8/30/16</a:t>
             </a:fld>
             <a:endParaRPr lang="en-US"/>
           </a:p>
@@ -11650,7 +11670,7 @@
   <p:timing>
     <p:tnLst>
       <p:par>
-        <p:cTn xmlns:p14="http://schemas.microsoft.com/office/powerpoint/2010/main" id="1" dur="indefinite" restart="never" nodeType="tmRoot"/>
+        <p:cTn id="1" dur="indefinite" restart="never" nodeType="tmRoot"/>
       </p:par>
     </p:tnLst>
   </p:timing>
@@ -11739,7 +11759,7 @@
           <a:p>
             <a:fld id="{A8D63EC8-2531-C840-9247-BBC729B42A4D}" type="datetime1">
               <a:rPr lang="en-US" smtClean="0"/>
-              <a:t>10/6/15</a:t>
+              <a:t>8/30/16</a:t>
             </a:fld>
             <a:endParaRPr lang="en-US"/>
           </a:p>
@@ -11816,7 +11836,7 @@
   <p:timing>
     <p:tnLst>
       <p:par>
-        <p:cTn xmlns:p14="http://schemas.microsoft.com/office/powerpoint/2010/main" id="1" dur="indefinite" restart="never" nodeType="tmRoot"/>
+        <p:cTn id="1" dur="indefinite" restart="never" nodeType="tmRoot"/>
       </p:par>
     </p:tnLst>
   </p:timing>
